--- a/Quick Analysis of NFL Draft Data using Arules.pptx
+++ b/Quick Analysis of NFL Draft Data using Arules.pptx
@@ -10,11 +10,12 @@
     <p:sldId id="258" r:id="rId4"/>
     <p:sldId id="264" r:id="rId5"/>
     <p:sldId id="266" r:id="rId6"/>
-    <p:sldId id="260" r:id="rId7"/>
-    <p:sldId id="262" r:id="rId8"/>
+    <p:sldId id="262" r:id="rId7"/>
+    <p:sldId id="260" r:id="rId8"/>
     <p:sldId id="263" r:id="rId9"/>
     <p:sldId id="268" r:id="rId10"/>
-    <p:sldId id="270" r:id="rId11"/>
+    <p:sldId id="271" r:id="rId11"/>
+    <p:sldId id="270" r:id="rId12"/>
   </p:sldIdLst>
   <p:sldSz cx="12192000" cy="6858000"/>
   <p:notesSz cx="6858000" cy="9144000"/>
@@ -8914,7 +8915,7 @@
           <a:p>
             <a:fld id="{63B7217F-C5F6-48DC-94BE-21A12F3026F3}" type="datetimeFigureOut">
               <a:rPr lang="en-US" smtClean="0"/>
-              <a:t>6/14/2018</a:t>
+              <a:t>7/25/2018</a:t>
             </a:fld>
             <a:endParaRPr lang="en-US"/>
           </a:p>
@@ -9002,7 +9003,7 @@
     </p:spTree>
     <p:extLst>
       <p:ext uri="{BB962C8B-B14F-4D97-AF65-F5344CB8AC3E}">
-        <p14:creationId xmlns:p14="http://schemas.microsoft.com/office/powerpoint/2010/main" val="1665205168"/>
+        <p14:creationId xmlns:p14="http://schemas.microsoft.com/office/powerpoint/2010/main" val="2854365901"/>
       </p:ext>
     </p:extLst>
   </p:cSld>
@@ -9121,7 +9122,7 @@
           <a:p>
             <a:fld id="{63B7217F-C5F6-48DC-94BE-21A12F3026F3}" type="datetimeFigureOut">
               <a:rPr lang="en-US" smtClean="0"/>
-              <a:t>6/14/2018</a:t>
+              <a:t>7/25/2018</a:t>
             </a:fld>
             <a:endParaRPr lang="en-US"/>
           </a:p>
@@ -9172,7 +9173,7 @@
     </p:spTree>
     <p:extLst>
       <p:ext uri="{BB962C8B-B14F-4D97-AF65-F5344CB8AC3E}">
-        <p14:creationId xmlns:p14="http://schemas.microsoft.com/office/powerpoint/2010/main" val="2558983627"/>
+        <p14:creationId xmlns:p14="http://schemas.microsoft.com/office/powerpoint/2010/main" val="534846964"/>
       </p:ext>
     </p:extLst>
   </p:cSld>
@@ -9301,7 +9302,7 @@
           <a:p>
             <a:fld id="{63B7217F-C5F6-48DC-94BE-21A12F3026F3}" type="datetimeFigureOut">
               <a:rPr lang="en-US" smtClean="0"/>
-              <a:t>6/14/2018</a:t>
+              <a:t>7/25/2018</a:t>
             </a:fld>
             <a:endParaRPr lang="en-US"/>
           </a:p>
@@ -9387,7 +9388,7 @@
     </p:spTree>
     <p:extLst>
       <p:ext uri="{BB962C8B-B14F-4D97-AF65-F5344CB8AC3E}">
-        <p14:creationId xmlns:p14="http://schemas.microsoft.com/office/powerpoint/2010/main" val="2160996160"/>
+        <p14:creationId xmlns:p14="http://schemas.microsoft.com/office/powerpoint/2010/main" val="1315803515"/>
       </p:ext>
     </p:extLst>
   </p:cSld>
@@ -9506,7 +9507,7 @@
           <a:p>
             <a:fld id="{63B7217F-C5F6-48DC-94BE-21A12F3026F3}" type="datetimeFigureOut">
               <a:rPr lang="en-US" smtClean="0"/>
-              <a:t>6/14/2018</a:t>
+              <a:t>7/25/2018</a:t>
             </a:fld>
             <a:endParaRPr lang="en-US"/>
           </a:p>
@@ -9557,7 +9558,7 @@
     </p:spTree>
     <p:extLst>
       <p:ext uri="{BB962C8B-B14F-4D97-AF65-F5344CB8AC3E}">
-        <p14:creationId xmlns:p14="http://schemas.microsoft.com/office/powerpoint/2010/main" val="101558532"/>
+        <p14:creationId xmlns:p14="http://schemas.microsoft.com/office/powerpoint/2010/main" val="2224642485"/>
       </p:ext>
     </p:extLst>
   </p:cSld>
@@ -18404,7 +18405,7 @@
           <a:p>
             <a:fld id="{63B7217F-C5F6-48DC-94BE-21A12F3026F3}" type="datetimeFigureOut">
               <a:rPr lang="en-US" smtClean="0"/>
-              <a:t>6/14/2018</a:t>
+              <a:t>7/25/2018</a:t>
             </a:fld>
             <a:endParaRPr lang="en-US"/>
           </a:p>
@@ -18492,7 +18493,7 @@
     </p:spTree>
     <p:extLst>
       <p:ext uri="{BB962C8B-B14F-4D97-AF65-F5344CB8AC3E}">
-        <p14:creationId xmlns:p14="http://schemas.microsoft.com/office/powerpoint/2010/main" val="731560353"/>
+        <p14:creationId xmlns:p14="http://schemas.microsoft.com/office/powerpoint/2010/main" val="3937346958"/>
       </p:ext>
     </p:extLst>
   </p:cSld>
@@ -18678,7 +18679,7 @@
           <a:p>
             <a:fld id="{63B7217F-C5F6-48DC-94BE-21A12F3026F3}" type="datetimeFigureOut">
               <a:rPr lang="en-US" smtClean="0"/>
-              <a:t>6/14/2018</a:t>
+              <a:t>7/25/2018</a:t>
             </a:fld>
             <a:endParaRPr lang="en-US"/>
           </a:p>
@@ -18729,7 +18730,7 @@
     </p:spTree>
     <p:extLst>
       <p:ext uri="{BB962C8B-B14F-4D97-AF65-F5344CB8AC3E}">
-        <p14:creationId xmlns:p14="http://schemas.microsoft.com/office/powerpoint/2010/main" val="2206235036"/>
+        <p14:creationId xmlns:p14="http://schemas.microsoft.com/office/powerpoint/2010/main" val="2399687984"/>
       </p:ext>
     </p:extLst>
   </p:cSld>
@@ -19076,7 +19077,7 @@
           <a:p>
             <a:fld id="{63B7217F-C5F6-48DC-94BE-21A12F3026F3}" type="datetimeFigureOut">
               <a:rPr lang="en-US" smtClean="0"/>
-              <a:t>6/14/2018</a:t>
+              <a:t>7/25/2018</a:t>
             </a:fld>
             <a:endParaRPr lang="en-US"/>
           </a:p>
@@ -19127,7 +19128,7 @@
     </p:spTree>
     <p:extLst>
       <p:ext uri="{BB962C8B-B14F-4D97-AF65-F5344CB8AC3E}">
-        <p14:creationId xmlns:p14="http://schemas.microsoft.com/office/powerpoint/2010/main" val="523280667"/>
+        <p14:creationId xmlns:p14="http://schemas.microsoft.com/office/powerpoint/2010/main" val="2417377341"/>
       </p:ext>
     </p:extLst>
   </p:cSld>
@@ -19194,7 +19195,7 @@
           <a:p>
             <a:fld id="{63B7217F-C5F6-48DC-94BE-21A12F3026F3}" type="datetimeFigureOut">
               <a:rPr lang="en-US" smtClean="0"/>
-              <a:t>6/14/2018</a:t>
+              <a:t>7/25/2018</a:t>
             </a:fld>
             <a:endParaRPr lang="en-US"/>
           </a:p>
@@ -19245,7 +19246,7 @@
     </p:spTree>
     <p:extLst>
       <p:ext uri="{BB962C8B-B14F-4D97-AF65-F5344CB8AC3E}">
-        <p14:creationId xmlns:p14="http://schemas.microsoft.com/office/powerpoint/2010/main" val="807898746"/>
+        <p14:creationId xmlns:p14="http://schemas.microsoft.com/office/powerpoint/2010/main" val="3391406346"/>
       </p:ext>
     </p:extLst>
   </p:cSld>
@@ -19289,7 +19290,7 @@
           <a:p>
             <a:fld id="{63B7217F-C5F6-48DC-94BE-21A12F3026F3}" type="datetimeFigureOut">
               <a:rPr lang="en-US" smtClean="0"/>
-              <a:t>6/14/2018</a:t>
+              <a:t>7/25/2018</a:t>
             </a:fld>
             <a:endParaRPr lang="en-US"/>
           </a:p>
@@ -19340,7 +19341,7 @@
     </p:spTree>
     <p:extLst>
       <p:ext uri="{BB962C8B-B14F-4D97-AF65-F5344CB8AC3E}">
-        <p14:creationId xmlns:p14="http://schemas.microsoft.com/office/powerpoint/2010/main" val="1899285798"/>
+        <p14:creationId xmlns:p14="http://schemas.microsoft.com/office/powerpoint/2010/main" val="237901218"/>
       </p:ext>
     </p:extLst>
   </p:cSld>
@@ -19579,7 +19580,7 @@
           <a:p>
             <a:fld id="{63B7217F-C5F6-48DC-94BE-21A12F3026F3}" type="datetimeFigureOut">
               <a:rPr lang="en-US" smtClean="0"/>
-              <a:t>6/14/2018</a:t>
+              <a:t>7/25/2018</a:t>
             </a:fld>
             <a:endParaRPr lang="en-US"/>
           </a:p>
@@ -19630,7 +19631,7 @@
     </p:spTree>
     <p:extLst>
       <p:ext uri="{BB962C8B-B14F-4D97-AF65-F5344CB8AC3E}">
-        <p14:creationId xmlns:p14="http://schemas.microsoft.com/office/powerpoint/2010/main" val="2797124709"/>
+        <p14:creationId xmlns:p14="http://schemas.microsoft.com/office/powerpoint/2010/main" val="217615141"/>
       </p:ext>
     </p:extLst>
   </p:cSld>
@@ -19859,7 +19860,7 @@
           <a:p>
             <a:fld id="{63B7217F-C5F6-48DC-94BE-21A12F3026F3}" type="datetimeFigureOut">
               <a:rPr lang="en-US" smtClean="0"/>
-              <a:t>6/14/2018</a:t>
+              <a:t>7/25/2018</a:t>
             </a:fld>
             <a:endParaRPr lang="en-US"/>
           </a:p>
@@ -19945,7 +19946,7 @@
     </p:spTree>
     <p:extLst>
       <p:ext uri="{BB962C8B-B14F-4D97-AF65-F5344CB8AC3E}">
-        <p14:creationId xmlns:p14="http://schemas.microsoft.com/office/powerpoint/2010/main" val="3775058859"/>
+        <p14:creationId xmlns:p14="http://schemas.microsoft.com/office/powerpoint/2010/main" val="3172652572"/>
       </p:ext>
     </p:extLst>
   </p:cSld>
@@ -20109,7 +20110,7 @@
           <a:p>
             <a:fld id="{63B7217F-C5F6-48DC-94BE-21A12F3026F3}" type="datetimeFigureOut">
               <a:rPr lang="en-US" smtClean="0"/>
-              <a:t>6/14/2018</a:t>
+              <a:t>7/25/2018</a:t>
             </a:fld>
             <a:endParaRPr lang="en-US"/>
           </a:p>
@@ -20235,7 +20236,7 @@
     </p:spTree>
     <p:extLst>
       <p:ext uri="{BB962C8B-B14F-4D97-AF65-F5344CB8AC3E}">
-        <p14:creationId xmlns:p14="http://schemas.microsoft.com/office/powerpoint/2010/main" val="130225201"/>
+        <p14:creationId xmlns:p14="http://schemas.microsoft.com/office/powerpoint/2010/main" val="3886323700"/>
       </p:ext>
     </p:extLst>
   </p:cSld>
@@ -20624,7 +20625,7 @@
         <p:spPr/>
         <p:txBody>
           <a:bodyPr>
-            <a:normAutofit/>
+            <a:normAutofit fontScale="90000"/>
           </a:bodyPr>
           <a:lstStyle/>
           <a:p>
@@ -20638,7 +20639,11 @@
             </a:r>
             <a:r>
               <a:rPr lang="en-US" dirty="0" smtClean="0"/>
-              <a:t> Package in R</a:t>
+              <a:t> &amp; GGPLOT2 </a:t>
+            </a:r>
+            <a:r>
+              <a:rPr lang="en-US" dirty="0" smtClean="0"/>
+              <a:t>Package in R</a:t>
             </a:r>
             <a:endParaRPr lang="en-US" dirty="0"/>
           </a:p>
@@ -20672,8 +20677,8 @@
               <a:t>(</a:t>
             </a:r>
             <a:r>
-              <a:rPr lang="en-US" dirty="0" smtClean="0"/>
-              <a:t>Twitter</a:t>
+              <a:rPr lang="en-US" dirty="0" err="1" smtClean="0"/>
+              <a:t>Twiter</a:t>
             </a:r>
             <a:r>
               <a:rPr lang="en-US" dirty="0" smtClean="0"/>
@@ -20684,16 +20689,8 @@
               <a:t>SaadDataSci</a:t>
             </a:r>
             <a:r>
-              <a:rPr lang="en-US" dirty="0"/>
-              <a:t>;</a:t>
-            </a:r>
-            <a:r>
               <a:rPr lang="en-US" dirty="0" smtClean="0"/>
-              <a:t> </a:t>
-            </a:r>
-            <a:r>
-              <a:rPr lang="en-US" dirty="0" smtClean="0"/>
-              <a:t>GitHub: </a:t>
+              <a:t>, GitHub: </a:t>
             </a:r>
             <a:r>
               <a:rPr lang="en-US" dirty="0" err="1" smtClean="0"/>
@@ -20723,10 +20720,184 @@
   <p:clrMapOvr>
     <a:masterClrMapping/>
   </p:clrMapOvr>
+  <p:timing>
+    <p:tnLst>
+      <p:par>
+        <p:cTn id="1" dur="indefinite" restart="never" nodeType="tmRoot"/>
+      </p:par>
+    </p:tnLst>
+  </p:timing>
 </p:sld>
 </file>
 
 <file path=ppt/slides/slide10.xml><?xml version="1.0" encoding="utf-8"?>
+<p:sld xmlns:a="http://schemas.openxmlformats.org/drawingml/2006/main" xmlns:r="http://schemas.openxmlformats.org/officeDocument/2006/relationships" xmlns:p="http://schemas.openxmlformats.org/presentationml/2006/main">
+  <p:cSld>
+    <p:spTree>
+      <p:nvGrpSpPr>
+        <p:cNvPr id="1" name=""/>
+        <p:cNvGrpSpPr/>
+        <p:nvPr/>
+      </p:nvGrpSpPr>
+      <p:grpSpPr>
+        <a:xfrm>
+          <a:off x="0" y="0"/>
+          <a:ext cx="0" cy="0"/>
+          <a:chOff x="0" y="0"/>
+          <a:chExt cx="0" cy="0"/>
+        </a:xfrm>
+      </p:grpSpPr>
+      <p:sp>
+        <p:nvSpPr>
+          <p:cNvPr id="2" name="Title 1"/>
+          <p:cNvSpPr>
+            <a:spLocks noGrp="1"/>
+          </p:cNvSpPr>
+          <p:nvPr>
+            <p:ph type="title"/>
+          </p:nvPr>
+        </p:nvSpPr>
+        <p:spPr/>
+        <p:txBody>
+          <a:bodyPr/>
+          <a:lstStyle/>
+          <a:p>
+            <a:r>
+              <a:rPr lang="en-US" dirty="0" smtClean="0"/>
+              <a:t>Terms to Know</a:t>
+            </a:r>
+            <a:endParaRPr lang="en-US" dirty="0"/>
+          </a:p>
+        </p:txBody>
+      </p:sp>
+      <p:sp>
+        <p:nvSpPr>
+          <p:cNvPr id="3" name="Content Placeholder 2"/>
+          <p:cNvSpPr>
+            <a:spLocks noGrp="1"/>
+          </p:cNvSpPr>
+          <p:nvPr>
+            <p:ph idx="1"/>
+          </p:nvPr>
+        </p:nvSpPr>
+        <p:spPr/>
+        <p:txBody>
+          <a:bodyPr/>
+          <a:lstStyle/>
+          <a:p>
+            <a:pPr lvl="1"/>
+            <a:r>
+              <a:rPr lang="en-US" sz="2400" u="sng" dirty="0" smtClean="0"/>
+              <a:t>Support</a:t>
+            </a:r>
+            <a:r>
+              <a:rPr lang="en-US" sz="2400" dirty="0"/>
+              <a:t>: Number of times a particular item appears as a ratio to the entire number of items in dataset</a:t>
+            </a:r>
+          </a:p>
+          <a:p>
+            <a:pPr lvl="1"/>
+            <a:r>
+              <a:rPr lang="en-US" sz="2400" u="sng" dirty="0"/>
+              <a:t>Confidence</a:t>
+            </a:r>
+            <a:r>
+              <a:rPr lang="en-US" sz="2400" dirty="0"/>
+              <a:t>: Ratio </a:t>
+            </a:r>
+            <a:r>
+              <a:rPr lang="en-US" sz="2400" dirty="0" smtClean="0"/>
+              <a:t>of a set of item(s) </a:t>
+            </a:r>
+            <a:r>
+              <a:rPr lang="en-US" sz="2400" dirty="0"/>
+              <a:t>to </a:t>
+            </a:r>
+            <a:r>
+              <a:rPr lang="en-US" sz="2400" dirty="0" smtClean="0"/>
+              <a:t>only a portion of these items </a:t>
+            </a:r>
+            <a:r>
+              <a:rPr lang="en-US" sz="2400" dirty="0"/>
+              <a:t>(i.e.: </a:t>
+            </a:r>
+            <a:r>
+              <a:rPr lang="en-US" sz="2400" dirty="0" smtClean="0"/>
+              <a:t>Confidence({A,B}</a:t>
+            </a:r>
+            <a:r>
+              <a:rPr lang="en-US" sz="2400" dirty="0" smtClean="0">
+                <a:sym typeface="Wingdings" panose="05000000000000000000" pitchFamily="2" charset="2"/>
+              </a:rPr>
+              <a:t>{C})</a:t>
+            </a:r>
+            <a:r>
+              <a:rPr lang="en-US" sz="2400" dirty="0" smtClean="0"/>
+              <a:t> = support{A,B,C}/support{A,B})</a:t>
+            </a:r>
+          </a:p>
+          <a:p>
+            <a:pPr lvl="2"/>
+            <a:r>
+              <a:rPr lang="en-US" sz="2000" dirty="0" smtClean="0"/>
+              <a:t>How confident are we that C will be present given that A &amp; B are present.</a:t>
+            </a:r>
+            <a:endParaRPr lang="en-US" sz="2000" dirty="0"/>
+          </a:p>
+          <a:p>
+            <a:pPr lvl="1"/>
+            <a:r>
+              <a:rPr lang="en-US" sz="2400" u="sng" dirty="0"/>
+              <a:t>Lift</a:t>
+            </a:r>
+            <a:r>
+              <a:rPr lang="en-US" sz="2400" dirty="0"/>
+              <a:t>: </a:t>
+            </a:r>
+            <a:r>
+              <a:rPr lang="en-US" sz="2400" dirty="0" smtClean="0"/>
+              <a:t>Likelihood that a set of items show up together, ‘A, B, &amp; C,’ relative to the number of times ‘C’ will show up across all transactions (or in this case, draft selections). </a:t>
+            </a:r>
+            <a:endParaRPr lang="en-US" sz="2400" dirty="0"/>
+          </a:p>
+          <a:p>
+            <a:pPr lvl="1"/>
+            <a:r>
+              <a:rPr lang="en-US" sz="2400" u="sng" dirty="0"/>
+              <a:t>Count</a:t>
+            </a:r>
+            <a:r>
+              <a:rPr lang="en-US" sz="2400" dirty="0"/>
+              <a:t>: Number of times rule items show up together</a:t>
+            </a:r>
+            <a:endParaRPr lang="en-US" dirty="0"/>
+          </a:p>
+          <a:p>
+            <a:endParaRPr lang="en-US" dirty="0"/>
+          </a:p>
+        </p:txBody>
+      </p:sp>
+    </p:spTree>
+    <p:extLst>
+      <p:ext uri="{BB962C8B-B14F-4D97-AF65-F5344CB8AC3E}">
+        <p14:creationId xmlns:p14="http://schemas.microsoft.com/office/powerpoint/2010/main" val="4210361923"/>
+      </p:ext>
+    </p:extLst>
+  </p:cSld>
+  <p:clrMapOvr>
+    <a:masterClrMapping/>
+  </p:clrMapOvr>
+  <p:timing>
+    <p:tnLst>
+      <p:par>
+        <p:cTn id="1" dur="indefinite" restart="never" nodeType="tmRoot"/>
+      </p:par>
+    </p:tnLst>
+  </p:timing>
+</p:sld>
+</file>
+
+<file path=ppt/slides/slide11.xml><?xml version="1.0" encoding="utf-8"?>
 <p:sld xmlns:a="http://schemas.openxmlformats.org/drawingml/2006/main" xmlns:r="http://schemas.openxmlformats.org/officeDocument/2006/relationships" xmlns:p="http://schemas.openxmlformats.org/presentationml/2006/main">
   <p:cSld>
     <p:spTree>
@@ -20781,29 +20952,111 @@
           <a:bodyPr/>
           <a:lstStyle/>
           <a:p>
+            <a:pPr>
+              <a:spcBef>
+                <a:spcPts val="600"/>
+              </a:spcBef>
+              <a:spcAft>
+                <a:spcPts val="600"/>
+              </a:spcAft>
+            </a:pPr>
             <a:r>
               <a:rPr lang="en-US" sz="2400" dirty="0" smtClean="0"/>
-              <a:t>Atlanta Falcons and Indianapolis Colts were more likely to draft linebackers than any other position and more likely than any other team to draft linebackers</a:t>
+              <a:t>Philadelphia Eagles and Carolina Panthers were likely to draft a CB</a:t>
             </a:r>
           </a:p>
           <a:p>
+            <a:pPr>
+              <a:spcBef>
+                <a:spcPts val="600"/>
+              </a:spcBef>
+              <a:spcAft>
+                <a:spcPts val="600"/>
+              </a:spcAft>
+            </a:pPr>
             <a:r>
               <a:rPr lang="en-US" sz="2400" dirty="0" smtClean="0"/>
-              <a:t>Safeties were likely to com from ACC or Alabama</a:t>
+              <a:t>Green Bay Packers were likely to draft a WR</a:t>
             </a:r>
-            <a:endParaRPr lang="en-US" dirty="0" smtClean="0"/>
+            <a:endParaRPr lang="en-US" sz="2400" dirty="0" smtClean="0"/>
           </a:p>
           <a:p>
+            <a:pPr>
+              <a:spcBef>
+                <a:spcPts val="600"/>
+              </a:spcBef>
+              <a:spcAft>
+                <a:spcPts val="600"/>
+              </a:spcAft>
+            </a:pPr>
+            <a:r>
+              <a:rPr lang="en-US" sz="2400" dirty="0" smtClean="0"/>
+              <a:t>Buffalo Bills liked to draft from the ACC</a:t>
+            </a:r>
+            <a:endParaRPr lang="en-US" sz="2400" dirty="0"/>
+          </a:p>
+          <a:p>
+            <a:pPr>
+              <a:spcBef>
+                <a:spcPts val="600"/>
+              </a:spcBef>
+              <a:spcAft>
+                <a:spcPts val="600"/>
+              </a:spcAft>
+            </a:pPr>
             <a:r>
               <a:rPr lang="en-US" sz="2400" dirty="0"/>
-              <a:t>ACC players were either Safety or drafted by Buffalo Bills</a:t>
+              <a:t>Washington Redskins liked to draft from the </a:t>
+            </a:r>
+            <a:r>
+              <a:rPr lang="en-US" sz="2400" dirty="0" smtClean="0"/>
+              <a:t>SEC</a:t>
             </a:r>
           </a:p>
           <a:p>
+            <a:pPr>
+              <a:spcBef>
+                <a:spcPts val="600"/>
+              </a:spcBef>
+              <a:spcAft>
+                <a:spcPts val="600"/>
+              </a:spcAft>
+            </a:pPr>
+            <a:endParaRPr lang="en-US" sz="2400" dirty="0"/>
+          </a:p>
+          <a:p>
+            <a:pPr>
+              <a:spcBef>
+                <a:spcPts val="600"/>
+              </a:spcBef>
+              <a:spcAft>
+                <a:spcPts val="600"/>
+              </a:spcAft>
+            </a:pPr>
             <a:r>
-              <a:rPr lang="en-US" sz="2400" dirty="0"/>
-              <a:t>Running backs were more likely to come from SEC</a:t>
+              <a:rPr lang="en-US" sz="2400" dirty="0" smtClean="0"/>
+              <a:t>All findings and code can be found at </a:t>
             </a:r>
+            <a:r>
+              <a:rPr lang="en-US" sz="2400" dirty="0" smtClean="0">
+                <a:hlinkClick r:id="rId2"/>
+              </a:rPr>
+              <a:t>github.com/</a:t>
+            </a:r>
+            <a:r>
+              <a:rPr lang="en-US" sz="2400" dirty="0" err="1" smtClean="0">
+                <a:hlinkClick r:id="rId2"/>
+              </a:rPr>
+              <a:t>snyousef</a:t>
+            </a:r>
+            <a:r>
+              <a:rPr lang="en-US" sz="2400" dirty="0" smtClean="0"/>
+              <a:t>. </a:t>
+            </a:r>
+            <a:endParaRPr lang="en-US" sz="2400" dirty="0" smtClean="0"/>
+          </a:p>
+          <a:p>
+            <a:endParaRPr lang="en-US" sz="2400" dirty="0"/>
           </a:p>
           <a:p>
             <a:pPr marL="457200" lvl="1" indent="0">
@@ -20823,6 +21076,13 @@
   <p:clrMapOvr>
     <a:masterClrMapping/>
   </p:clrMapOvr>
+  <p:timing>
+    <p:tnLst>
+      <p:par>
+        <p:cTn id="1" dur="indefinite" restart="never" nodeType="tmRoot"/>
+      </p:par>
+    </p:tnLst>
+  </p:timing>
 </p:sld>
 </file>
 
@@ -20926,6 +21186,13 @@
   <p:clrMapOvr>
     <a:masterClrMapping/>
   </p:clrMapOvr>
+  <p:timing>
+    <p:tnLst>
+      <p:par>
+        <p:cTn id="1" dur="indefinite" restart="never" nodeType="tmRoot"/>
+      </p:par>
+    </p:tnLst>
+  </p:timing>
 </p:sld>
 </file>
 
@@ -21033,6 +21300,13 @@
   <p:clrMapOvr>
     <a:masterClrMapping/>
   </p:clrMapOvr>
+  <p:timing>
+    <p:tnLst>
+      <p:par>
+        <p:cTn id="1" dur="indefinite" restart="never" nodeType="tmRoot"/>
+      </p:par>
+    </p:tnLst>
+  </p:timing>
 </p:sld>
 </file>
 
@@ -21086,6 +21360,13 @@
   <p:clrMapOvr>
     <a:masterClrMapping/>
   </p:clrMapOvr>
+  <p:timing>
+    <p:tnLst>
+      <p:par>
+        <p:cTn id="1" dur="indefinite" restart="never" nodeType="tmRoot"/>
+      </p:par>
+    </p:tnLst>
+  </p:timing>
 </p:sld>
 </file>
 
@@ -21176,93 +21457,17 @@
   <p:clrMapOvr>
     <a:masterClrMapping/>
   </p:clrMapOvr>
+  <p:timing>
+    <p:tnLst>
+      <p:par>
+        <p:cTn id="1" dur="indefinite" restart="never" nodeType="tmRoot"/>
+      </p:par>
+    </p:tnLst>
+  </p:timing>
 </p:sld>
 </file>
 
 <file path=ppt/slides/slide6.xml><?xml version="1.0" encoding="utf-8"?>
-<p:sld xmlns:a="http://schemas.openxmlformats.org/drawingml/2006/main" xmlns:r="http://schemas.openxmlformats.org/officeDocument/2006/relationships" xmlns:p="http://schemas.openxmlformats.org/presentationml/2006/main">
-  <p:cSld>
-    <p:spTree>
-      <p:nvGrpSpPr>
-        <p:cNvPr id="1" name=""/>
-        <p:cNvGrpSpPr/>
-        <p:nvPr/>
-      </p:nvGrpSpPr>
-      <p:grpSpPr>
-        <a:xfrm>
-          <a:off x="0" y="0"/>
-          <a:ext cx="0" cy="0"/>
-          <a:chOff x="0" y="0"/>
-          <a:chExt cx="0" cy="0"/>
-        </a:xfrm>
-      </p:grpSpPr>
-      <p:sp>
-        <p:nvSpPr>
-          <p:cNvPr id="2" name="Title 1"/>
-          <p:cNvSpPr>
-            <a:spLocks noGrp="1"/>
-          </p:cNvSpPr>
-          <p:nvPr>
-            <p:ph type="title"/>
-          </p:nvPr>
-        </p:nvSpPr>
-        <p:spPr/>
-        <p:txBody>
-          <a:bodyPr/>
-          <a:lstStyle/>
-          <a:p>
-            <a:r>
-              <a:rPr lang="en-US" dirty="0" smtClean="0"/>
-              <a:t>Picks per NFL Team</a:t>
-            </a:r>
-            <a:endParaRPr lang="en-US" dirty="0"/>
-          </a:p>
-        </p:txBody>
-      </p:sp>
-      <p:pic>
-        <p:nvPicPr>
-          <p:cNvPr id="6" name="Picture 5"/>
-          <p:cNvPicPr>
-            <a:picLocks noChangeAspect="1"/>
-          </p:cNvPicPr>
-          <p:nvPr/>
-        </p:nvPicPr>
-        <p:blipFill>
-          <a:blip r:embed="rId2">
-            <a:extLst>
-              <a:ext uri="{28A0092B-C50C-407E-A947-70E740481C1C}">
-                <a14:useLocalDpi xmlns:a14="http://schemas.microsoft.com/office/drawing/2010/main" val="0"/>
-              </a:ext>
-            </a:extLst>
-          </a:blip>
-          <a:stretch>
-            <a:fillRect/>
-          </a:stretch>
-        </p:blipFill>
-        <p:spPr>
-          <a:xfrm>
-            <a:off x="2009204" y="1557665"/>
-            <a:ext cx="8173591" cy="5048955"/>
-          </a:xfrm>
-          <a:prstGeom prst="rect">
-            <a:avLst/>
-          </a:prstGeom>
-        </p:spPr>
-      </p:pic>
-    </p:spTree>
-    <p:extLst>
-      <p:ext uri="{BB962C8B-B14F-4D97-AF65-F5344CB8AC3E}">
-        <p14:creationId xmlns:p14="http://schemas.microsoft.com/office/powerpoint/2010/main" val="3755495362"/>
-      </p:ext>
-    </p:extLst>
-  </p:cSld>
-  <p:clrMapOvr>
-    <a:masterClrMapping/>
-  </p:clrMapOvr>
-</p:sld>
-</file>
-
-<file path=ppt/slides/slide7.xml><?xml version="1.0" encoding="utf-8"?>
 <p:sld xmlns:a="http://schemas.openxmlformats.org/drawingml/2006/main" xmlns:r="http://schemas.openxmlformats.org/officeDocument/2006/relationships" xmlns:p="http://schemas.openxmlformats.org/presentationml/2006/main">
   <p:cSld>
     <p:spTree>
@@ -21306,28 +21511,22 @@
       </p:sp>
       <p:pic>
         <p:nvPicPr>
-          <p:cNvPr id="4" name="Picture 3"/>
+          <p:cNvPr id="3" name="Picture 2"/>
           <p:cNvPicPr>
             <a:picLocks noChangeAspect="1"/>
           </p:cNvPicPr>
           <p:nvPr/>
         </p:nvPicPr>
         <p:blipFill>
-          <a:blip r:embed="rId2">
-            <a:extLst>
-              <a:ext uri="{28A0092B-C50C-407E-A947-70E740481C1C}">
-                <a14:useLocalDpi xmlns:a14="http://schemas.microsoft.com/office/drawing/2010/main" val="0"/>
-              </a:ext>
-            </a:extLst>
-          </a:blip>
+          <a:blip r:embed="rId2"/>
           <a:stretch>
             <a:fillRect/>
           </a:stretch>
         </p:blipFill>
         <p:spPr>
           <a:xfrm>
-            <a:off x="2009204" y="1470579"/>
-            <a:ext cx="8173591" cy="5048955"/>
+            <a:off x="1902670" y="1614507"/>
+            <a:ext cx="8092978" cy="4999159"/>
           </a:xfrm>
           <a:prstGeom prst="rect">
             <a:avLst/>
@@ -21344,6 +21543,97 @@
   <p:clrMapOvr>
     <a:masterClrMapping/>
   </p:clrMapOvr>
+  <p:timing>
+    <p:tnLst>
+      <p:par>
+        <p:cTn id="1" dur="indefinite" restart="never" nodeType="tmRoot"/>
+      </p:par>
+    </p:tnLst>
+  </p:timing>
+</p:sld>
+</file>
+
+<file path=ppt/slides/slide7.xml><?xml version="1.0" encoding="utf-8"?>
+<p:sld xmlns:a="http://schemas.openxmlformats.org/drawingml/2006/main" xmlns:r="http://schemas.openxmlformats.org/officeDocument/2006/relationships" xmlns:p="http://schemas.openxmlformats.org/presentationml/2006/main">
+  <p:cSld>
+    <p:spTree>
+      <p:nvGrpSpPr>
+        <p:cNvPr id="1" name=""/>
+        <p:cNvGrpSpPr/>
+        <p:nvPr/>
+      </p:nvGrpSpPr>
+      <p:grpSpPr>
+        <a:xfrm>
+          <a:off x="0" y="0"/>
+          <a:ext cx="0" cy="0"/>
+          <a:chOff x="0" y="0"/>
+          <a:chExt cx="0" cy="0"/>
+        </a:xfrm>
+      </p:grpSpPr>
+      <p:sp>
+        <p:nvSpPr>
+          <p:cNvPr id="2" name="Title 1"/>
+          <p:cNvSpPr>
+            <a:spLocks noGrp="1"/>
+          </p:cNvSpPr>
+          <p:nvPr>
+            <p:ph type="title"/>
+          </p:nvPr>
+        </p:nvSpPr>
+        <p:spPr/>
+        <p:txBody>
+          <a:bodyPr/>
+          <a:lstStyle/>
+          <a:p>
+            <a:r>
+              <a:rPr lang="en-US" dirty="0" smtClean="0"/>
+              <a:t>Picks per NFL Team</a:t>
+            </a:r>
+            <a:endParaRPr lang="en-US" dirty="0"/>
+          </a:p>
+        </p:txBody>
+      </p:sp>
+      <p:pic>
+        <p:nvPicPr>
+          <p:cNvPr id="3" name="Picture 2"/>
+          <p:cNvPicPr>
+            <a:picLocks noChangeAspect="1"/>
+          </p:cNvPicPr>
+          <p:nvPr/>
+        </p:nvPicPr>
+        <p:blipFill>
+          <a:blip r:embed="rId2"/>
+          <a:stretch>
+            <a:fillRect/>
+          </a:stretch>
+        </p:blipFill>
+        <p:spPr>
+          <a:xfrm>
+            <a:off x="2484925" y="1470485"/>
+            <a:ext cx="8259275" cy="5101883"/>
+          </a:xfrm>
+          <a:prstGeom prst="rect">
+            <a:avLst/>
+          </a:prstGeom>
+        </p:spPr>
+      </p:pic>
+    </p:spTree>
+    <p:extLst>
+      <p:ext uri="{BB962C8B-B14F-4D97-AF65-F5344CB8AC3E}">
+        <p14:creationId xmlns:p14="http://schemas.microsoft.com/office/powerpoint/2010/main" val="3755495362"/>
+      </p:ext>
+    </p:extLst>
+  </p:cSld>
+  <p:clrMapOvr>
+    <a:masterClrMapping/>
+  </p:clrMapOvr>
+  <p:timing>
+    <p:tnLst>
+      <p:par>
+        <p:cTn id="1" dur="indefinite" restart="never" nodeType="tmRoot"/>
+      </p:par>
+    </p:tnLst>
+  </p:timing>
 </p:sld>
 </file>
 
@@ -21391,28 +21681,22 @@
       </p:sp>
       <p:pic>
         <p:nvPicPr>
-          <p:cNvPr id="4" name="Picture 3"/>
+          <p:cNvPr id="3" name="Picture 2"/>
           <p:cNvPicPr>
             <a:picLocks noChangeAspect="1"/>
           </p:cNvPicPr>
           <p:nvPr/>
         </p:nvPicPr>
         <p:blipFill>
-          <a:blip r:embed="rId2">
-            <a:extLst>
-              <a:ext uri="{28A0092B-C50C-407E-A947-70E740481C1C}">
-                <a14:useLocalDpi xmlns:a14="http://schemas.microsoft.com/office/drawing/2010/main" val="0"/>
-              </a:ext>
-            </a:extLst>
-          </a:blip>
+          <a:blip r:embed="rId2"/>
           <a:stretch>
             <a:fillRect/>
           </a:stretch>
         </p:blipFill>
         <p:spPr>
           <a:xfrm>
-            <a:off x="2113707" y="1583790"/>
-            <a:ext cx="8173591" cy="5048955"/>
+            <a:off x="1799191" y="1548862"/>
+            <a:ext cx="8320169" cy="5139498"/>
           </a:xfrm>
           <a:prstGeom prst="rect">
             <a:avLst/>
@@ -21429,6 +21713,13 @@
   <p:clrMapOvr>
     <a:masterClrMapping/>
   </p:clrMapOvr>
+  <p:timing>
+    <p:tnLst>
+      <p:par>
+        <p:cTn id="1" dur="indefinite" restart="never" nodeType="tmRoot"/>
+      </p:par>
+    </p:tnLst>
+  </p:timing>
 </p:sld>
 </file>
 
@@ -21488,12 +21779,94 @@
         </p:nvSpPr>
         <p:spPr/>
         <p:txBody>
-          <a:bodyPr/>
+          <a:bodyPr>
+            <a:normAutofit/>
+          </a:bodyPr>
           <a:lstStyle/>
           <a:p>
+            <a:pPr marL="0" indent="0">
+              <a:buNone/>
+            </a:pPr>
+            <a:r>
+              <a:rPr lang="en-US" b="1" u="sng" dirty="0" smtClean="0"/>
+              <a:t>CRAN Definition</a:t>
+            </a:r>
             <a:r>
               <a:rPr lang="en-US" dirty="0" smtClean="0"/>
-              <a:t>Find associations between within customer transaction data. </a:t>
+              <a:t>: </a:t>
+            </a:r>
+            <a:r>
+              <a:rPr lang="en-US" dirty="0"/>
+              <a:t>Provides the infrastructure for representing, manipulating and analyzing transaction data and patterns (frequent </a:t>
+            </a:r>
+            <a:r>
+              <a:rPr lang="en-US" dirty="0" smtClean="0"/>
+              <a:t>item-sets </a:t>
+            </a:r>
+            <a:r>
+              <a:rPr lang="en-US" dirty="0"/>
+              <a:t>and association rules</a:t>
+            </a:r>
+            <a:r>
+              <a:rPr lang="en-US" dirty="0" smtClean="0"/>
+              <a:t>).</a:t>
+            </a:r>
+          </a:p>
+          <a:p>
+            <a:pPr marL="0" indent="0">
+              <a:buNone/>
+            </a:pPr>
+            <a:endParaRPr lang="en-US" dirty="0"/>
+          </a:p>
+          <a:p>
+            <a:pPr marL="0" indent="0">
+              <a:buNone/>
+            </a:pPr>
+            <a:r>
+              <a:rPr lang="en-US" dirty="0" smtClean="0"/>
+              <a:t>More information about this package can be found on the </a:t>
+            </a:r>
+            <a:r>
+              <a:rPr lang="en-US" dirty="0" smtClean="0">
+                <a:hlinkClick r:id="rId2"/>
+              </a:rPr>
+              <a:t>CRAN website</a:t>
+            </a:r>
+            <a:r>
+              <a:rPr lang="en-US" dirty="0" smtClean="0"/>
+              <a:t>.</a:t>
+            </a:r>
+            <a:endParaRPr lang="en-US" dirty="0" smtClean="0"/>
+          </a:p>
+          <a:p>
+            <a:pPr marL="0" indent="0">
+              <a:buNone/>
+            </a:pPr>
+            <a:endParaRPr lang="en-US" u="sng" dirty="0" smtClean="0"/>
+          </a:p>
+          <a:p>
+            <a:pPr marL="0" indent="0">
+              <a:buNone/>
+            </a:pPr>
+            <a:r>
+              <a:rPr lang="en-US" u="sng" dirty="0" smtClean="0"/>
+              <a:t>For this project</a:t>
+            </a:r>
+            <a:r>
+              <a:rPr lang="en-US" dirty="0" smtClean="0"/>
+              <a:t>: Find </a:t>
+            </a:r>
+            <a:r>
+              <a:rPr lang="en-US" dirty="0" smtClean="0"/>
+              <a:t>associations </a:t>
+            </a:r>
+            <a:r>
+              <a:rPr lang="en-US" dirty="0" smtClean="0"/>
+              <a:t>within draft </a:t>
+            </a:r>
+            <a:r>
+              <a:rPr lang="en-US" dirty="0" smtClean="0"/>
+              <a:t>data. </a:t>
             </a:r>
             <a:r>
               <a:rPr lang="en-US" dirty="0" err="1" smtClean="0"/>
@@ -21501,50 +21874,13 @@
             </a:r>
             <a:r>
               <a:rPr lang="en-US" dirty="0" smtClean="0"/>
-              <a:t> algorithm finds rules (i.e.: if A happens, then B happens this often)</a:t>
+              <a:t> algorithm finds rules (i.e.: if A happens, then B happens this often</a:t>
             </a:r>
-          </a:p>
-          <a:p>
-            <a:pPr lvl="1"/>
             <a:r>
               <a:rPr lang="en-US" dirty="0" smtClean="0"/>
-              <a:t>For this scenario, what patterns can we find in NFL draft data</a:t>
+              <a:t>)</a:t>
             </a:r>
-          </a:p>
-          <a:p>
-            <a:r>
-              <a:rPr lang="en-US" dirty="0" smtClean="0"/>
-              <a:t>Terms to know:</a:t>
-            </a:r>
-          </a:p>
-          <a:p>
-            <a:pPr lvl="1"/>
-            <a:r>
-              <a:rPr lang="en-US" dirty="0" smtClean="0"/>
-              <a:t>Support: Number of times item appears in ‘transaction’</a:t>
-            </a:r>
-          </a:p>
-          <a:p>
-            <a:pPr lvl="1"/>
-            <a:r>
-              <a:rPr lang="en-US" dirty="0" smtClean="0"/>
-              <a:t>Confidence: Ratio of rule items to rule items plus other items (i.e.: {A,B}/{A,B,…}</a:t>
-            </a:r>
-          </a:p>
-          <a:p>
-            <a:pPr lvl="1"/>
-            <a:r>
-              <a:rPr lang="en-US" dirty="0" smtClean="0"/>
-              <a:t>Lift: Multiplicative likelihood that item on right hand-side of rule will be  ‘purchased’ when item in left-hand side is ‘purchased’</a:t>
-            </a:r>
-          </a:p>
-          <a:p>
-            <a:pPr lvl="1"/>
-            <a:r>
-              <a:rPr lang="en-US" dirty="0" smtClean="0"/>
-              <a:t>Count: Number of times rule items show up together</a:t>
-            </a:r>
-            <a:endParaRPr lang="en-US" dirty="0"/>
+            <a:endParaRPr lang="en-US" dirty="0" smtClean="0"/>
           </a:p>
         </p:txBody>
       </p:sp>
@@ -21558,6 +21894,13 @@
   <p:clrMapOvr>
     <a:masterClrMapping/>
   </p:clrMapOvr>
+  <p:timing>
+    <p:tnLst>
+      <p:par>
+        <p:cTn id="1" dur="indefinite" restart="never" nodeType="tmRoot"/>
+      </p:par>
+    </p:tnLst>
+  </p:timing>
 </p:sld>
 </file>
 
